--- a/김가인/서울시범죄현황분석_[김가인].pptx
+++ b/김가인/서울시범죄현황분석_[김가인].pptx
@@ -31,12 +31,12 @@
   <p:notesSz cx="6858000" cy="9144000"/>
   <p:embeddedFontLst>
     <p:embeddedFont>
-      <p:font typeface="KoPubWorld돋움체 Bold" panose="020B0600000101010101" charset="-127"/>
-      <p:bold r:id="rId21"/>
+      <p:font typeface="맑은 고딕" panose="020B0503020000020004" pitchFamily="50" charset="-127"/>
+      <p:regular r:id="rId21"/>
+      <p:bold r:id="rId22"/>
     </p:embeddedFont>
     <p:embeddedFont>
-      <p:font typeface="맑은 고딕" panose="020B0503020000020004" pitchFamily="50" charset="-127"/>
-      <p:regular r:id="rId22"/>
+      <p:font typeface="KoPubWorld돋움체 Bold" panose="020B0600000101010101" charset="-127"/>
       <p:bold r:id="rId23"/>
     </p:embeddedFont>
     <p:embeddedFont>
@@ -5005,7 +5005,7 @@
           <a:p>
             <a:fld id="{5ABAF489-4997-40B7-BFFE-1F98E2702A9B}" type="datetimeFigureOut">
               <a:rPr lang="ko-KR" altLang="en-US" smtClean="0"/>
-              <a:t>2023-07-24</a:t>
+              <a:t>2023-07-25</a:t>
             </a:fld>
             <a:endParaRPr lang="ko-KR" altLang="en-US"/>
           </a:p>
@@ -6977,8 +6977,78 @@
                 <a:ea typeface="+mn-ea"/>
                 <a:cs typeface="+mn-cs"/>
               </a:rPr>
-              <a:t> 지원</a:t>
-            </a:r>
+              <a:t> </a:t>
+            </a:r>
+            <a:r>
+              <a:rPr lang="ko-KR" altLang="en-US" sz="1200" b="1" i="0" kern="1200" dirty="0" smtClean="0">
+                <a:solidFill>
+                  <a:schemeClr val="tx1"/>
+                </a:solidFill>
+                <a:effectLst/>
+                <a:latin typeface="+mn-lt"/>
+                <a:ea typeface="+mn-ea"/>
+                <a:cs typeface="+mn-cs"/>
+              </a:rPr>
+              <a:t>지원</a:t>
+            </a:r>
+            <a:r>
+              <a:rPr lang="en-US" altLang="ko-KR" sz="1200" b="1" i="0" kern="1200" dirty="0" smtClean="0">
+                <a:solidFill>
+                  <a:schemeClr val="tx1"/>
+                </a:solidFill>
+                <a:effectLst/>
+                <a:latin typeface="+mn-lt"/>
+                <a:ea typeface="+mn-ea"/>
+                <a:cs typeface="+mn-cs"/>
+              </a:rPr>
+              <a:t>,</a:t>
+            </a:r>
+            <a:r>
+              <a:rPr lang="ko-KR" altLang="en-US" dirty="0" smtClean="0">
+                <a:latin typeface="+mn-ea"/>
+                <a:ea typeface="+mn-ea"/>
+              </a:rPr>
+              <a:t>서울시 </a:t>
+            </a:r>
+            <a:r>
+              <a:rPr lang="ko-KR" altLang="en-US" dirty="0" smtClean="0">
+                <a:latin typeface="+mn-ea"/>
+                <a:ea typeface="+mn-ea"/>
+              </a:rPr>
+              <a:t>중구 </a:t>
+            </a:r>
+            <a:r>
+              <a:rPr lang="en-US" altLang="ko-KR" dirty="0" smtClean="0">
+                <a:latin typeface="+mn-ea"/>
+                <a:ea typeface="+mn-ea"/>
+              </a:rPr>
+              <a:t>"</a:t>
+            </a:r>
+            <a:r>
+              <a:rPr lang="ko-KR" altLang="en-US" dirty="0" smtClean="0">
+                <a:latin typeface="+mn-ea"/>
+                <a:ea typeface="+mn-ea"/>
+              </a:rPr>
+              <a:t>아동 학대 막는다</a:t>
+            </a:r>
+            <a:r>
+              <a:rPr lang="en-US" altLang="ko-KR" dirty="0" smtClean="0">
+                <a:latin typeface="+mn-ea"/>
+                <a:ea typeface="+mn-ea"/>
+              </a:rPr>
+              <a:t>"…</a:t>
+            </a:r>
+            <a:r>
+              <a:rPr lang="ko-KR" altLang="en-US" dirty="0" smtClean="0">
+                <a:latin typeface="+mn-ea"/>
+                <a:ea typeface="+mn-ea"/>
+              </a:rPr>
+              <a:t>아동행복센터 </a:t>
+            </a:r>
+            <a:endParaRPr lang="en-US" altLang="ko-KR" dirty="0" smtClean="0">
+              <a:latin typeface="+mn-ea"/>
+              <a:ea typeface="+mn-ea"/>
+            </a:endParaRPr>
           </a:p>
           <a:p>
             <a:pPr marL="0" marR="0" indent="0" algn="l" defTabSz="914400" rtl="0" eaLnBrk="1" fontAlgn="auto" latinLnBrk="1" hangingPunct="1">
@@ -7003,36 +7073,155 @@
                 <a:latin typeface="+mn-ea"/>
                 <a:ea typeface="+mn-ea"/>
               </a:rPr>
-              <a:t>서울시 중구 </a:t>
-            </a:r>
-            <a:r>
-              <a:rPr lang="en-US" altLang="ko-KR" dirty="0" smtClean="0">
+              <a:t>성범죄자 신상정보는 우편으로 발송되는데</a:t>
+            </a:r>
+            <a:r>
+              <a:rPr lang="en-US" altLang="ko-KR" baseline="0" dirty="0" smtClean="0">
                 <a:latin typeface="+mn-ea"/>
                 <a:ea typeface="+mn-ea"/>
               </a:rPr>
-              <a:t>"</a:t>
-            </a:r>
+              <a:t> 19</a:t>
+            </a:r>
+            <a:r>
+              <a:rPr lang="ko-KR" altLang="en-US" baseline="0" dirty="0" smtClean="0">
+                <a:latin typeface="+mn-ea"/>
+                <a:ea typeface="+mn-ea"/>
+              </a:rPr>
+              <a:t>세 미만자녀에게만 제공합니다</a:t>
+            </a:r>
+            <a:r>
+              <a:rPr lang="en-US" altLang="ko-KR" baseline="0" dirty="0" smtClean="0">
+                <a:latin typeface="+mn-ea"/>
+                <a:ea typeface="+mn-ea"/>
+              </a:rPr>
+              <a:t>.</a:t>
+            </a:r>
+          </a:p>
+          <a:p>
+            <a:pPr marL="0" marR="0" indent="0" algn="l" defTabSz="914400" rtl="0" eaLnBrk="1" fontAlgn="auto" latinLnBrk="1" hangingPunct="1">
+              <a:lnSpc>
+                <a:spcPct val="100000"/>
+              </a:lnSpc>
+              <a:spcBef>
+                <a:spcPts val="0"/>
+              </a:spcBef>
+              <a:spcAft>
+                <a:spcPts val="0"/>
+              </a:spcAft>
+              <a:buClrTx/>
+              <a:buSzTx/>
+              <a:buFontTx/>
+              <a:buNone/>
+              <a:tabLst/>
+              <a:defRPr/>
+            </a:pPr>
+            <a:r>
+              <a:rPr lang="ko-KR" altLang="en-US" baseline="0" dirty="0" smtClean="0">
+                <a:latin typeface="+mn-ea"/>
+                <a:ea typeface="+mn-ea"/>
+              </a:rPr>
+              <a:t>모바일 사이트도 </a:t>
+            </a:r>
+            <a:r>
+              <a:rPr lang="ko-KR" altLang="en-US" baseline="0" dirty="0" err="1" smtClean="0">
+                <a:latin typeface="+mn-ea"/>
+                <a:ea typeface="+mn-ea"/>
+              </a:rPr>
+              <a:t>있긴하지만</a:t>
+            </a:r>
+            <a:r>
+              <a:rPr lang="ko-KR" altLang="en-US" baseline="0" dirty="0" smtClean="0">
+                <a:latin typeface="+mn-ea"/>
+                <a:ea typeface="+mn-ea"/>
+              </a:rPr>
+              <a:t> 저도 이번 분석을 통해서 사이트를 </a:t>
+            </a:r>
+            <a:r>
+              <a:rPr lang="ko-KR" altLang="en-US" baseline="0" dirty="0" err="1" smtClean="0">
+                <a:latin typeface="+mn-ea"/>
+                <a:ea typeface="+mn-ea"/>
+              </a:rPr>
+              <a:t>알게되었지</a:t>
+            </a:r>
+            <a:r>
+              <a:rPr lang="ko-KR" altLang="en-US" baseline="0" dirty="0" smtClean="0">
+                <a:latin typeface="+mn-ea"/>
+                <a:ea typeface="+mn-ea"/>
+              </a:rPr>
+              <a:t> 평상시에는 사용할 일이 없었습니다</a:t>
+            </a:r>
+            <a:r>
+              <a:rPr lang="en-US" altLang="ko-KR" baseline="0" dirty="0" smtClean="0">
+                <a:latin typeface="+mn-ea"/>
+                <a:ea typeface="+mn-ea"/>
+              </a:rPr>
+              <a:t>.</a:t>
+            </a:r>
+          </a:p>
+          <a:p>
+            <a:pPr marL="0" marR="0" indent="0" algn="l" defTabSz="914400" rtl="0" eaLnBrk="1" fontAlgn="auto" latinLnBrk="1" hangingPunct="1">
+              <a:lnSpc>
+                <a:spcPct val="100000"/>
+              </a:lnSpc>
+              <a:spcBef>
+                <a:spcPts val="0"/>
+              </a:spcBef>
+              <a:spcAft>
+                <a:spcPts val="0"/>
+              </a:spcAft>
+              <a:buClrTx/>
+              <a:buSzTx/>
+              <a:buFontTx/>
+              <a:buNone/>
+              <a:tabLst/>
+              <a:defRPr/>
+            </a:pPr>
             <a:r>
               <a:rPr lang="ko-KR" altLang="en-US" dirty="0" smtClean="0">
                 <a:latin typeface="+mn-ea"/>
                 <a:ea typeface="+mn-ea"/>
               </a:rPr>
-              <a:t>아동 학대 막는다</a:t>
-            </a:r>
-            <a:r>
-              <a:rPr lang="en-US" altLang="ko-KR" dirty="0" smtClean="0">
+              <a:t>사이트의 정보를 다른 앱과 연동하여 접할</a:t>
+            </a:r>
+            <a:r>
+              <a:rPr lang="ko-KR" altLang="en-US" baseline="0" dirty="0" smtClean="0">
                 <a:latin typeface="+mn-ea"/>
                 <a:ea typeface="+mn-ea"/>
               </a:rPr>
-              <a:t>"…</a:t>
-            </a:r>
-            <a:r>
-              <a:rPr lang="ko-KR" altLang="en-US" dirty="0" smtClean="0">
+              <a:t> 수 있도록 한다면</a:t>
+            </a:r>
+            <a:r>
+              <a:rPr lang="en-US" altLang="ko-KR" baseline="0" dirty="0" smtClean="0">
                 <a:latin typeface="+mn-ea"/>
                 <a:ea typeface="+mn-ea"/>
               </a:rPr>
-              <a:t>아동행복센터 </a:t>
-            </a:r>
+              <a:t>?(</a:t>
+            </a:r>
+            <a:r>
+              <a:rPr lang="ko-KR" altLang="en-US" baseline="0" dirty="0" smtClean="0">
+                <a:latin typeface="+mn-ea"/>
+                <a:ea typeface="+mn-ea"/>
+              </a:rPr>
+              <a:t>얼굴을 알아야 나 </a:t>
+            </a:r>
+            <a:r>
+              <a:rPr lang="ko-KR" altLang="en-US" baseline="0" smtClean="0">
+                <a:latin typeface="+mn-ea"/>
+                <a:ea typeface="+mn-ea"/>
+              </a:rPr>
+              <a:t>자신을 보호 가능</a:t>
+            </a:r>
+            <a:r>
+              <a:rPr lang="en-US" altLang="ko-KR" baseline="0" dirty="0" smtClean="0">
+                <a:latin typeface="+mn-ea"/>
+                <a:ea typeface="+mn-ea"/>
+              </a:rPr>
+              <a:t>)</a:t>
+            </a:r>
+            <a:endParaRPr lang="ko-KR" altLang="en-US" dirty="0" smtClean="0">
+              <a:latin typeface="+mn-ea"/>
+              <a:ea typeface="+mn-ea"/>
+            </a:endParaRPr>
           </a:p>
           <a:p>
             <a:r>
@@ -10308,7 +10497,7 @@
           <a:p>
             <a:fld id="{B441A2CC-AD33-4BEB-BEDF-7117FCB0AF3A}" type="datetimeFigureOut">
               <a:rPr lang="ko-KR" altLang="en-US" smtClean="0"/>
-              <a:t>2023-07-24</a:t>
+              <a:t>2023-07-25</a:t>
             </a:fld>
             <a:endParaRPr lang="ko-KR" altLang="en-US"/>
           </a:p>
@@ -10506,7 +10695,7 @@
           <a:p>
             <a:fld id="{B441A2CC-AD33-4BEB-BEDF-7117FCB0AF3A}" type="datetimeFigureOut">
               <a:rPr lang="ko-KR" altLang="en-US" smtClean="0"/>
-              <a:t>2023-07-24</a:t>
+              <a:t>2023-07-25</a:t>
             </a:fld>
             <a:endParaRPr lang="ko-KR" altLang="en-US"/>
           </a:p>
@@ -10714,7 +10903,7 @@
           <a:p>
             <a:fld id="{B441A2CC-AD33-4BEB-BEDF-7117FCB0AF3A}" type="datetimeFigureOut">
               <a:rPr lang="ko-KR" altLang="en-US" smtClean="0"/>
-              <a:t>2023-07-24</a:t>
+              <a:t>2023-07-25</a:t>
             </a:fld>
             <a:endParaRPr lang="ko-KR" altLang="en-US"/>
           </a:p>
@@ -10912,7 +11101,7 @@
           <a:p>
             <a:fld id="{B441A2CC-AD33-4BEB-BEDF-7117FCB0AF3A}" type="datetimeFigureOut">
               <a:rPr lang="ko-KR" altLang="en-US" smtClean="0"/>
-              <a:t>2023-07-24</a:t>
+              <a:t>2023-07-25</a:t>
             </a:fld>
             <a:endParaRPr lang="ko-KR" altLang="en-US"/>
           </a:p>
@@ -11187,7 +11376,7 @@
           <a:p>
             <a:fld id="{B441A2CC-AD33-4BEB-BEDF-7117FCB0AF3A}" type="datetimeFigureOut">
               <a:rPr lang="ko-KR" altLang="en-US" smtClean="0"/>
-              <a:t>2023-07-24</a:t>
+              <a:t>2023-07-25</a:t>
             </a:fld>
             <a:endParaRPr lang="ko-KR" altLang="en-US"/>
           </a:p>
@@ -11452,7 +11641,7 @@
           <a:p>
             <a:fld id="{B441A2CC-AD33-4BEB-BEDF-7117FCB0AF3A}" type="datetimeFigureOut">
               <a:rPr lang="ko-KR" altLang="en-US" smtClean="0"/>
-              <a:t>2023-07-24</a:t>
+              <a:t>2023-07-25</a:t>
             </a:fld>
             <a:endParaRPr lang="ko-KR" altLang="en-US"/>
           </a:p>
@@ -11864,7 +12053,7 @@
           <a:p>
             <a:fld id="{B441A2CC-AD33-4BEB-BEDF-7117FCB0AF3A}" type="datetimeFigureOut">
               <a:rPr lang="ko-KR" altLang="en-US" smtClean="0"/>
-              <a:t>2023-07-24</a:t>
+              <a:t>2023-07-25</a:t>
             </a:fld>
             <a:endParaRPr lang="ko-KR" altLang="en-US"/>
           </a:p>
@@ -12005,7 +12194,7 @@
           <a:p>
             <a:fld id="{B441A2CC-AD33-4BEB-BEDF-7117FCB0AF3A}" type="datetimeFigureOut">
               <a:rPr lang="ko-KR" altLang="en-US" smtClean="0"/>
-              <a:t>2023-07-24</a:t>
+              <a:t>2023-07-25</a:t>
             </a:fld>
             <a:endParaRPr lang="ko-KR" altLang="en-US"/>
           </a:p>
@@ -12118,7 +12307,7 @@
           <a:p>
             <a:fld id="{B441A2CC-AD33-4BEB-BEDF-7117FCB0AF3A}" type="datetimeFigureOut">
               <a:rPr lang="ko-KR" altLang="en-US" smtClean="0"/>
-              <a:t>2023-07-24</a:t>
+              <a:t>2023-07-25</a:t>
             </a:fld>
             <a:endParaRPr lang="ko-KR" altLang="en-US"/>
           </a:p>
@@ -12429,7 +12618,7 @@
           <a:p>
             <a:fld id="{B441A2CC-AD33-4BEB-BEDF-7117FCB0AF3A}" type="datetimeFigureOut">
               <a:rPr lang="ko-KR" altLang="en-US" smtClean="0"/>
-              <a:t>2023-07-24</a:t>
+              <a:t>2023-07-25</a:t>
             </a:fld>
             <a:endParaRPr lang="ko-KR" altLang="en-US"/>
           </a:p>
@@ -12717,7 +12906,7 @@
           <a:p>
             <a:fld id="{B441A2CC-AD33-4BEB-BEDF-7117FCB0AF3A}" type="datetimeFigureOut">
               <a:rPr lang="ko-KR" altLang="en-US" smtClean="0"/>
-              <a:t>2023-07-24</a:t>
+              <a:t>2023-07-25</a:t>
             </a:fld>
             <a:endParaRPr lang="ko-KR" altLang="en-US"/>
           </a:p>
@@ -12964,7 +13153,7 @@
           <a:p>
             <a:fld id="{B441A2CC-AD33-4BEB-BEDF-7117FCB0AF3A}" type="datetimeFigureOut">
               <a:rPr lang="ko-KR" altLang="en-US" smtClean="0"/>
-              <a:t>2023-07-24</a:t>
+              <a:t>2023-07-25</a:t>
             </a:fld>
             <a:endParaRPr lang="ko-KR" altLang="en-US"/>
           </a:p>
@@ -18458,7 +18647,7 @@
         <p:spPr>
           <a:xfrm>
             <a:off x="464394" y="4045726"/>
-            <a:ext cx="11242155" cy="1815882"/>
+            <a:ext cx="11242155" cy="2308324"/>
           </a:xfrm>
           <a:prstGeom prst="rect">
             <a:avLst/>
@@ -18849,7 +19038,7 @@
               <a:t>추행 사건이 낮은 지역으로 동네를 </a:t>
             </a:r>
             <a:r>
-              <a:rPr lang="ko-KR" altLang="en-US" sz="1600" dirty="0" err="1">
+              <a:rPr lang="ko-KR" altLang="en-US" sz="1600" dirty="0" err="1" smtClean="0">
                 <a:solidFill>
                   <a:schemeClr val="tx1">
                     <a:lumMod val="65000"/>
@@ -18862,17 +19051,103 @@
               <a:t>추천한다던가</a:t>
             </a:r>
             <a:r>
-              <a:rPr lang="en-US" altLang="ko-KR" sz="1600" dirty="0">
-                <a:solidFill>
-                  <a:schemeClr val="tx1">
-                    <a:lumMod val="65000"/>
-                    <a:lumOff val="35000"/>
-                  </a:schemeClr>
-                </a:solidFill>
-                <a:latin typeface="+mn-ea"/>
-                <a:cs typeface="KoPubWorld돋움체 Light" panose="00000300000000000000" pitchFamily="2" charset="-127"/>
-              </a:rPr>
-              <a:t>? </a:t>
+              <a:rPr lang="en-US" altLang="ko-KR" sz="1600" dirty="0" smtClean="0">
+                <a:solidFill>
+                  <a:schemeClr val="tx1">
+                    <a:lumMod val="65000"/>
+                    <a:lumOff val="35000"/>
+                  </a:schemeClr>
+                </a:solidFill>
+                <a:latin typeface="+mn-ea"/>
+                <a:cs typeface="KoPubWorld돋움체 Light" panose="00000300000000000000" pitchFamily="2" charset="-127"/>
+              </a:rPr>
+              <a:t>?</a:t>
+            </a:r>
+          </a:p>
+          <a:p>
+            <a:r>
+              <a:rPr lang="ko-KR" altLang="en-US" sz="1600" dirty="0" smtClean="0">
+                <a:solidFill>
+                  <a:schemeClr val="tx1">
+                    <a:lumMod val="65000"/>
+                    <a:lumOff val="35000"/>
+                  </a:schemeClr>
+                </a:solidFill>
+                <a:latin typeface="+mn-ea"/>
+                <a:cs typeface="KoPubWorld돋움체 Light" panose="00000300000000000000" pitchFamily="2" charset="-127"/>
+              </a:rPr>
+              <a:t>성범죄 알림</a:t>
+            </a:r>
+            <a:r>
+              <a:rPr lang="en-US" altLang="ko-KR" sz="1600" dirty="0" smtClean="0">
+                <a:solidFill>
+                  <a:schemeClr val="tx1">
+                    <a:lumMod val="65000"/>
+                    <a:lumOff val="35000"/>
+                  </a:schemeClr>
+                </a:solidFill>
+                <a:latin typeface="+mn-ea"/>
+                <a:cs typeface="KoPubWorld돋움체 Light" panose="00000300000000000000" pitchFamily="2" charset="-127"/>
+              </a:rPr>
+              <a:t>e </a:t>
+            </a:r>
+            <a:r>
+              <a:rPr lang="ko-KR" altLang="en-US" sz="1600" dirty="0" smtClean="0">
+                <a:solidFill>
+                  <a:schemeClr val="tx1">
+                    <a:lumMod val="65000"/>
+                    <a:lumOff val="35000"/>
+                  </a:schemeClr>
+                </a:solidFill>
+                <a:latin typeface="+mn-ea"/>
+                <a:cs typeface="KoPubWorld돋움체 Light" panose="00000300000000000000" pitchFamily="2" charset="-127"/>
+              </a:rPr>
+              <a:t>사이트의 범죄자 정보를 거주지를 연계하여 알려줌으로써 국민들에게 다방면으로 고지를 하고 범죄 발생을 예방 할 수 있도록 하고싶습니다</a:t>
+            </a:r>
+            <a:r>
+              <a:rPr lang="en-US" altLang="ko-KR" sz="1600" dirty="0" smtClean="0">
+                <a:solidFill>
+                  <a:schemeClr val="tx1">
+                    <a:lumMod val="65000"/>
+                    <a:lumOff val="35000"/>
+                  </a:schemeClr>
+                </a:solidFill>
+                <a:latin typeface="+mn-ea"/>
+                <a:cs typeface="KoPubWorld돋움체 Light" panose="00000300000000000000" pitchFamily="2" charset="-127"/>
+              </a:rPr>
+              <a:t>.</a:t>
+            </a:r>
+          </a:p>
+          <a:p>
+            <a:pPr indent="-285750">
+              <a:buFontTx/>
+              <a:buChar char="-"/>
+            </a:pPr>
+            <a:r>
+              <a:rPr lang="ko-KR" altLang="en-US" sz="1600" dirty="0" smtClean="0">
+                <a:solidFill>
+                  <a:schemeClr val="tx1">
+                    <a:lumMod val="65000"/>
+                    <a:lumOff val="35000"/>
+                  </a:schemeClr>
+                </a:solidFill>
+                <a:latin typeface="+mn-ea"/>
+                <a:cs typeface="KoPubWorld돋움체 Light" panose="00000300000000000000" pitchFamily="2" charset="-127"/>
+              </a:rPr>
+              <a:t> </a:t>
+            </a:r>
+            <a:r>
+              <a:rPr lang="ko-KR" altLang="en-US" sz="1600" dirty="0" smtClean="0">
+                <a:solidFill>
+                  <a:schemeClr val="tx1">
+                    <a:lumMod val="65000"/>
+                    <a:lumOff val="35000"/>
+                  </a:schemeClr>
+                </a:solidFill>
+                <a:latin typeface="+mn-ea"/>
+                <a:cs typeface="KoPubWorld돋움체 Light" panose="00000300000000000000" pitchFamily="2" charset="-127"/>
+              </a:rPr>
+              <a:t>이렇게 </a:t>
             </a:r>
             <a:r>
               <a:rPr lang="ko-KR" altLang="en-US" sz="1600" dirty="0">
@@ -18885,7 +19160,7 @@
                 <a:latin typeface="+mn-ea"/>
                 <a:cs typeface="KoPubWorld돋움체 Light" panose="00000300000000000000" pitchFamily="2" charset="-127"/>
               </a:rPr>
-              <a:t>이렇게 고객의 안전을 생각하여 추천하면 고객 만족도 향상되고</a:t>
+              <a:t>고객의 안전을 생각하여 추천하면 고객 만족도 향상되고</a:t>
             </a:r>
             <a:r>
               <a:rPr lang="en-US" altLang="ko-KR" sz="1600" dirty="0">
